--- a/slides/AzureDayTorino2025_1025258_Tosato.pptx
+++ b/slides/AzureDayTorino2025_1025258_Tosato.pptx
@@ -21219,6 +21219,18 @@
             </a:r>
           </a:p>
           <a:p>
+            <a:r>
+              <a:rPr lang="it-IT" dirty="0">
+                <a:hlinkClick r:id="rId2"/>
+              </a:rPr>
+              <a:t>https://learn.microsoft.com/en-us/microsoftteams/platform/toolkit/debug-your-agents-playground</a:t>
+            </a:r>
+            <a:r>
+              <a:rPr lang="it-IT" dirty="0"/>
+              <a:t> </a:t>
+            </a:r>
+          </a:p>
+          <a:p>
             <a:pPr marL="0" indent="0">
               <a:buNone/>
             </a:pPr>
@@ -21271,15 +21283,16 @@
           <p:nvPr/>
         </p:nvPicPr>
         <p:blipFill>
-          <a:blip r:embed="rId2"/>
+          <a:blip r:embed="rId3"/>
+          <a:srcRect b="36613"/>
           <a:stretch>
             <a:fillRect/>
           </a:stretch>
         </p:blipFill>
         <p:spPr>
           <a:xfrm>
-            <a:off x="2931718" y="2438400"/>
-            <a:ext cx="8850979" cy="4103041"/>
+            <a:off x="576776" y="3248642"/>
+            <a:ext cx="11205921" cy="3292799"/>
           </a:xfrm>
           <a:prstGeom prst="rect">
             <a:avLst/>
@@ -23504,15 +23517,6 @@
 </file>
 
 <file path=customXml/item1.xml><?xml version="1.0" encoding="utf-8"?>
-<?mso-contentType ?>
-<FormTemplates xmlns="http://schemas.microsoft.com/sharepoint/v3/contenttype/forms">
-  <Display>DocumentLibraryForm</Display>
-  <Edit>DocumentLibraryForm</Edit>
-  <New>DocumentLibraryForm</New>
-</FormTemplates>
-</file>
-
-<file path=customXml/item2.xml><?xml version="1.0" encoding="utf-8"?>
 <ct:contentTypeSchema xmlns:ct="http://schemas.microsoft.com/office/2006/metadata/contentType" xmlns:ma="http://schemas.microsoft.com/office/2006/metadata/properties/metaAttributes" ct:_="" ma:_="" ma:contentTypeName="Documento" ma:contentTypeID="0x010100FD6131E5EFD16140B6B7F4892B3B1EDF" ma:contentTypeVersion="12" ma:contentTypeDescription="Creare un nuovo documento." ma:contentTypeScope="" ma:versionID="63b5c12633394d46a5e8b3cee073cbf0">
   <xsd:schema xmlns:xsd="http://www.w3.org/2001/XMLSchema" xmlns:xs="http://www.w3.org/2001/XMLSchema" xmlns:p="http://schemas.microsoft.com/office/2006/metadata/properties" xmlns:ns2="d8121912-130d-4688-8a96-8cf2c237709c" xmlns:ns3="cef5da91-0831-42fa-860c-d84acea2b669" targetNamespace="http://schemas.microsoft.com/office/2006/metadata/properties" ma:root="true" ma:fieldsID="965fc1106bbd4197a92925fc0676d25d" ns2:_="" ns3:_="">
     <xsd:import namespace="d8121912-130d-4688-8a96-8cf2c237709c"/>
@@ -23713,15 +23717,16 @@
 </ct:contentTypeSchema>
 </file>
 
-<file path=customXml/itemProps1.xml><?xml version="1.0" encoding="utf-8"?>
-<ds:datastoreItem xmlns:ds="http://schemas.openxmlformats.org/officeDocument/2006/customXml" ds:itemID="{5F878534-5D58-47CF-96A0-6CC00164F916}">
-  <ds:schemaRefs>
-    <ds:schemaRef ds:uri="http://schemas.microsoft.com/sharepoint/v3/contenttype/forms"/>
-  </ds:schemaRefs>
-</ds:datastoreItem>
+<file path=customXml/item2.xml><?xml version="1.0" encoding="utf-8"?>
+<?mso-contentType ?>
+<FormTemplates xmlns="http://schemas.microsoft.com/sharepoint/v3/contenttype/forms">
+  <Display>DocumentLibraryForm</Display>
+  <Edit>DocumentLibraryForm</Edit>
+  <New>DocumentLibraryForm</New>
+</FormTemplates>
 </file>
 
-<file path=customXml/itemProps2.xml><?xml version="1.0" encoding="utf-8"?>
+<file path=customXml/itemProps1.xml><?xml version="1.0" encoding="utf-8"?>
 <ds:datastoreItem xmlns:ds="http://schemas.openxmlformats.org/officeDocument/2006/customXml" ds:itemID="{AF8E5EFD-CAD4-4277-A6A9-F2D818E316A7}">
   <ds:schemaRefs>
     <ds:schemaRef ds:uri="http://schemas.microsoft.com/office/2006/metadata/contentType"/>
@@ -23740,6 +23745,14 @@
 </ds:datastoreItem>
 </file>
 
+<file path=customXml/itemProps2.xml><?xml version="1.0" encoding="utf-8"?>
+<ds:datastoreItem xmlns:ds="http://schemas.openxmlformats.org/officeDocument/2006/customXml" ds:itemID="{5F878534-5D58-47CF-96A0-6CC00164F916}">
+  <ds:schemaRefs>
+    <ds:schemaRef ds:uri="http://schemas.microsoft.com/sharepoint/v3/contenttype/forms"/>
+  </ds:schemaRefs>
+</ds:datastoreItem>
+</file>
+
 <file path=docMetadata/LabelInfo.xml><?xml version="1.0" encoding="utf-8"?>
 <clbl:labelList xmlns:clbl="http://schemas.microsoft.com/office/2020/mipLabelMetadata">
   <clbl:label id="{5fae8262-b78e-4366-8929-a5d6aac95320}" enabled="1" method="Standard" siteId="{cf36141c-ddd7-45a7-b073-111f66d0b30c}" contentBits="0" removed="0"/>

--- a/slides/AzureDayTorino2025_1025258_Tosato.pptx
+++ b/slides/AzureDayTorino2025_1025258_Tosato.pptx
@@ -9,10 +9,10 @@
     <p:sldMasterId id="2147483684" r:id="rId7"/>
   </p:sldMasterIdLst>
   <p:notesMasterIdLst>
-    <p:notesMasterId r:id="rId21"/>
+    <p:notesMasterId r:id="rId22"/>
   </p:notesMasterIdLst>
   <p:handoutMasterIdLst>
-    <p:handoutMasterId r:id="rId22"/>
+    <p:handoutMasterId r:id="rId23"/>
   </p:handoutMasterIdLst>
   <p:sldIdLst>
     <p:sldId id="256" r:id="rId8"/>
@@ -24,10 +24,11 @@
     <p:sldId id="266" r:id="rId14"/>
     <p:sldId id="269" r:id="rId15"/>
     <p:sldId id="267" r:id="rId16"/>
-    <p:sldId id="268" r:id="rId17"/>
-    <p:sldId id="260" r:id="rId18"/>
-    <p:sldId id="261" r:id="rId19"/>
-    <p:sldId id="262" r:id="rId20"/>
+    <p:sldId id="270" r:id="rId17"/>
+    <p:sldId id="268" r:id="rId18"/>
+    <p:sldId id="260" r:id="rId19"/>
+    <p:sldId id="261" r:id="rId20"/>
+    <p:sldId id="262" r:id="rId21"/>
   </p:sldIdLst>
   <p:sldSz cx="12192000" cy="6858000"/>
   <p:notesSz cx="6858000" cy="9144000"/>
@@ -1225,7 +1226,7 @@
           <a:p>
             <a:fld id="{CAA74DD2-8E53-470B-8646-02BB9552BE22}" type="datetimeFigureOut">
               <a:rPr lang="it-IT" smtClean="0"/>
-              <a:t>10/10/2025</a:t>
+              <a:t>11/10/2025</a:t>
             </a:fld>
             <a:endParaRPr lang="it-IT"/>
           </a:p>
@@ -1402,7 +1403,7 @@
           <a:p>
             <a:fld id="{F3F1C294-2F5E-402F-ADF7-7076FF27C349}" type="datetimeFigureOut">
               <a:rPr lang="it-IT" smtClean="0"/>
-              <a:t>10/10/2025</a:t>
+              <a:t>11/10/2025</a:t>
             </a:fld>
             <a:endParaRPr lang="it-IT"/>
           </a:p>
@@ -20253,7 +20254,7 @@
           <p:cNvPr id="2" name="Segnaposto contenuto 1">
             <a:extLst>
               <a:ext uri="{FF2B5EF4-FFF2-40B4-BE49-F238E27FC236}">
-                <a16:creationId xmlns:a16="http://schemas.microsoft.com/office/drawing/2014/main" id="{5E7C019A-71BF-DB46-26E0-1D812E25E481}"/>
+                <a16:creationId xmlns:a16="http://schemas.microsoft.com/office/drawing/2014/main" id="{61A0CE61-745D-BCA9-17A8-3AF22D9B1333}"/>
               </a:ext>
             </a:extLst>
           </p:cNvPr>
@@ -20266,64 +20267,11 @@
         </p:nvSpPr>
         <p:spPr/>
         <p:txBody>
-          <a:bodyPr>
-            <a:normAutofit lnSpcReduction="10000"/>
-          </a:bodyPr>
+          <a:bodyPr/>
           <a:lstStyle/>
           <a:p>
-            <a:r>
-              <a:rPr lang="it-IT" dirty="0">
-                <a:hlinkClick r:id="rId2"/>
-              </a:rPr>
-              <a:t>https://learn.microsoft.com/it-it/microsoftteams/platform/toolkit/agents-toolkit-fundamentals#install-teams-toolkit-for-visual-studio</a:t>
-            </a:r>
-            <a:r>
-              <a:rPr lang="it-IT" dirty="0"/>
-              <a:t> </a:t>
-            </a:r>
-          </a:p>
-          <a:p>
             <a:endParaRPr lang="it-IT" dirty="0"/>
           </a:p>
-          <a:p>
-            <a:r>
-              <a:rPr lang="it-IT" dirty="0">
-                <a:hlinkClick r:id="rId3"/>
-              </a:rPr>
-              <a:t>https://learn.microsoft.com/it-it/microsoftteams/platform/concepts/build-and-test/adaptive-card-previewer-vs</a:t>
-            </a:r>
-            <a:r>
-              <a:rPr lang="it-IT" dirty="0"/>
-              <a:t> </a:t>
-            </a:r>
-          </a:p>
-          <a:p>
-            <a:endParaRPr lang="it-IT" dirty="0"/>
-          </a:p>
-          <a:p>
-            <a:r>
-              <a:rPr lang="it-IT" dirty="0">
-                <a:hlinkClick r:id="rId4"/>
-              </a:rPr>
-              <a:t>https://learn.microsoft.com/en-us/adaptive-cards/templating/</a:t>
-            </a:r>
-            <a:endParaRPr lang="it-IT" dirty="0"/>
-          </a:p>
-          <a:p>
-            <a:endParaRPr lang="it-IT" dirty="0"/>
-          </a:p>
-          <a:p>
-            <a:r>
-              <a:rPr lang="it-IT" dirty="0">
-                <a:hlinkClick r:id="rId5"/>
-              </a:rPr>
-              <a:t>https://learn.microsoft.com/en-us/microsoft-365/agents-sdk/test-with-toolkit-project?tabs=windows</a:t>
-            </a:r>
-            <a:r>
-              <a:rPr lang="it-IT" dirty="0"/>
-              <a:t> </a:t>
-            </a:r>
-          </a:p>
         </p:txBody>
       </p:sp>
       <p:sp>
@@ -20331,7 +20279,7 @@
           <p:cNvPr id="3" name="Titolo 2">
             <a:extLst>
               <a:ext uri="{FF2B5EF4-FFF2-40B4-BE49-F238E27FC236}">
-                <a16:creationId xmlns:a16="http://schemas.microsoft.com/office/drawing/2014/main" id="{92A59BD3-5AFC-B789-1870-D008003AAEB4}"/>
+                <a16:creationId xmlns:a16="http://schemas.microsoft.com/office/drawing/2014/main" id="{6B8255BF-710C-6273-C527-2C4ACE09F7D0}"/>
               </a:ext>
             </a:extLst>
           </p:cNvPr>
@@ -20351,15 +20299,137 @@
           <a:p>
             <a:r>
               <a:rPr lang="it-IT" dirty="0"/>
-              <a:t>Reference</a:t>
-            </a:r>
+              <a:t>Microsoft Agent Framework (MAF)</a:t>
+            </a:r>
+          </a:p>
+        </p:txBody>
+      </p:sp>
+      <p:pic>
+        <p:nvPicPr>
+          <p:cNvPr id="1026" name="Picture 2">
+            <a:extLst>
+              <a:ext uri="{FF2B5EF4-FFF2-40B4-BE49-F238E27FC236}">
+                <a16:creationId xmlns:a16="http://schemas.microsoft.com/office/drawing/2014/main" id="{E652DA56-ED63-387A-D541-2D58ADFBEA12}"/>
+              </a:ext>
+            </a:extLst>
+          </p:cNvPr>
+          <p:cNvPicPr>
+            <a:picLocks noChangeAspect="1" noChangeArrowheads="1"/>
+          </p:cNvPicPr>
+          <p:nvPr/>
+        </p:nvPicPr>
+        <p:blipFill>
+          <a:blip r:embed="rId2">
+            <a:extLst>
+              <a:ext uri="{28A0092B-C50C-407E-A947-70E740481C1C}">
+                <a14:useLocalDpi xmlns:a14="http://schemas.microsoft.com/office/drawing/2010/main" val="0"/>
+              </a:ext>
+            </a:extLst>
+          </a:blip>
+          <a:srcRect/>
+          <a:stretch>
+            <a:fillRect/>
+          </a:stretch>
+        </p:blipFill>
+        <p:spPr bwMode="auto">
+          <a:xfrm>
+            <a:off x="1164678" y="1216059"/>
+            <a:ext cx="10030117" cy="5641941"/>
+          </a:xfrm>
+          <a:prstGeom prst="rect">
+            <a:avLst/>
+          </a:prstGeom>
+          <a:noFill/>
+          <a:extLst>
+            <a:ext uri="{909E8E84-426E-40DD-AFC4-6F175D3DCCD1}">
+              <a14:hiddenFill xmlns:a14="http://schemas.microsoft.com/office/drawing/2010/main">
+                <a:solidFill>
+                  <a:srgbClr val="FFFFFF"/>
+                </a:solidFill>
+              </a14:hiddenFill>
+            </a:ext>
+          </a:extLst>
+        </p:spPr>
+      </p:pic>
+      <p:sp>
+        <p:nvSpPr>
+          <p:cNvPr id="5" name="CasellaDiTesto 4">
+            <a:extLst>
+              <a:ext uri="{FF2B5EF4-FFF2-40B4-BE49-F238E27FC236}">
+                <a16:creationId xmlns:a16="http://schemas.microsoft.com/office/drawing/2014/main" id="{C060B395-3048-545E-858E-92F51749615C}"/>
+              </a:ext>
+            </a:extLst>
+          </p:cNvPr>
+          <p:cNvSpPr txBox="1"/>
+          <p:nvPr/>
+        </p:nvSpPr>
+        <p:spPr>
+          <a:xfrm rot="2277816">
+            <a:off x="8514959" y="2167066"/>
+            <a:ext cx="3504777" cy="1200329"/>
+          </a:xfrm>
+          <a:prstGeom prst="rect">
+            <a:avLst/>
+          </a:prstGeom>
+        </p:spPr>
+        <p:style>
+          <a:lnRef idx="3">
+            <a:schemeClr val="lt1"/>
+          </a:lnRef>
+          <a:fillRef idx="1">
+            <a:schemeClr val="accent4"/>
+          </a:fillRef>
+          <a:effectRef idx="1">
+            <a:schemeClr val="accent4"/>
+          </a:effectRef>
+          <a:fontRef idx="minor">
+            <a:schemeClr val="lt1"/>
+          </a:fontRef>
+        </p:style>
+        <p:txBody>
+          <a:bodyPr wrap="square">
+            <a:spAutoFit/>
+          </a:bodyPr>
+          <a:lstStyle/>
+          <a:p>
+            <a:r>
+              <a:rPr lang="en-US" b="1" i="0" dirty="0">
+                <a:solidFill>
+                  <a:srgbClr val="242424"/>
+                </a:solidFill>
+                <a:effectLst/>
+                <a:latin typeface="Segoe UI Semibold" panose="020B0702040204020203" pitchFamily="34" charset="0"/>
+              </a:rPr>
+              <a:t>Microsoft Agent Framework doesn’t replace Semantic Kernel and </a:t>
+            </a:r>
+            <a:r>
+              <a:rPr lang="en-US" b="1" i="0" dirty="0" err="1">
+                <a:solidFill>
+                  <a:srgbClr val="242424"/>
+                </a:solidFill>
+                <a:effectLst/>
+                <a:latin typeface="Segoe UI Semibold" panose="020B0702040204020203" pitchFamily="34" charset="0"/>
+              </a:rPr>
+              <a:t>AutoGen</a:t>
+            </a:r>
+            <a:r>
+              <a:rPr lang="en-US" b="1" i="0" dirty="0">
+                <a:solidFill>
+                  <a:srgbClr val="242424"/>
+                </a:solidFill>
+                <a:effectLst/>
+                <a:latin typeface="Segoe UI Semibold" panose="020B0702040204020203" pitchFamily="34" charset="0"/>
+              </a:rPr>
+              <a:t> — it builds on them</a:t>
+            </a:r>
+            <a:endParaRPr lang="it-IT" dirty="0"/>
           </a:p>
         </p:txBody>
       </p:sp>
     </p:spTree>
     <p:extLst>
       <p:ext uri="{BB962C8B-B14F-4D97-AF65-F5344CB8AC3E}">
-        <p14:creationId xmlns:p14="http://schemas.microsoft.com/office/powerpoint/2010/main" val="2378877390"/>
+        <p14:creationId xmlns:p14="http://schemas.microsoft.com/office/powerpoint/2010/main" val="3299571133"/>
       </p:ext>
     </p:extLst>
   </p:cSld>
@@ -20388,7 +20458,91 @@
       </p:grpSpPr>
       <p:sp>
         <p:nvSpPr>
-          <p:cNvPr id="2" name="Demo Section Title"/>
+          <p:cNvPr id="2" name="Segnaposto contenuto 1">
+            <a:extLst>
+              <a:ext uri="{FF2B5EF4-FFF2-40B4-BE49-F238E27FC236}">
+                <a16:creationId xmlns:a16="http://schemas.microsoft.com/office/drawing/2014/main" id="{5E7C019A-71BF-DB46-26E0-1D812E25E481}"/>
+              </a:ext>
+            </a:extLst>
+          </p:cNvPr>
+          <p:cNvSpPr>
+            <a:spLocks noGrp="1"/>
+          </p:cNvSpPr>
+          <p:nvPr>
+            <p:ph idx="1"/>
+          </p:nvPr>
+        </p:nvSpPr>
+        <p:spPr/>
+        <p:txBody>
+          <a:bodyPr>
+            <a:normAutofit lnSpcReduction="10000"/>
+          </a:bodyPr>
+          <a:lstStyle/>
+          <a:p>
+            <a:r>
+              <a:rPr lang="it-IT" dirty="0">
+                <a:hlinkClick r:id="rId2"/>
+              </a:rPr>
+              <a:t>https://learn.microsoft.com/it-it/microsoftteams/platform/toolkit/agents-toolkit-fundamentals#install-teams-toolkit-for-visual-studio</a:t>
+            </a:r>
+            <a:r>
+              <a:rPr lang="it-IT" dirty="0"/>
+              <a:t> </a:t>
+            </a:r>
+          </a:p>
+          <a:p>
+            <a:endParaRPr lang="it-IT" dirty="0"/>
+          </a:p>
+          <a:p>
+            <a:r>
+              <a:rPr lang="it-IT" dirty="0">
+                <a:hlinkClick r:id="rId3"/>
+              </a:rPr>
+              <a:t>https://learn.microsoft.com/it-it/microsoftteams/platform/concepts/build-and-test/adaptive-card-previewer-vs</a:t>
+            </a:r>
+            <a:r>
+              <a:rPr lang="it-IT" dirty="0"/>
+              <a:t> </a:t>
+            </a:r>
+          </a:p>
+          <a:p>
+            <a:endParaRPr lang="it-IT" dirty="0"/>
+          </a:p>
+          <a:p>
+            <a:r>
+              <a:rPr lang="it-IT" dirty="0">
+                <a:hlinkClick r:id="rId4"/>
+              </a:rPr>
+              <a:t>https://learn.microsoft.com/en-us/adaptive-cards/templating/</a:t>
+            </a:r>
+            <a:endParaRPr lang="it-IT" dirty="0"/>
+          </a:p>
+          <a:p>
+            <a:endParaRPr lang="it-IT" dirty="0"/>
+          </a:p>
+          <a:p>
+            <a:r>
+              <a:rPr lang="it-IT" dirty="0">
+                <a:hlinkClick r:id="rId5"/>
+              </a:rPr>
+              <a:t>https://learn.microsoft.com/en-us/microsoft-365/agents-sdk/test-with-toolkit-project?tabs=windows</a:t>
+            </a:r>
+            <a:r>
+              <a:rPr lang="it-IT" dirty="0"/>
+              <a:t> </a:t>
+            </a:r>
+          </a:p>
+        </p:txBody>
+      </p:sp>
+      <p:sp>
+        <p:nvSpPr>
+          <p:cNvPr id="3" name="Titolo 2">
+            <a:extLst>
+              <a:ext uri="{FF2B5EF4-FFF2-40B4-BE49-F238E27FC236}">
+                <a16:creationId xmlns:a16="http://schemas.microsoft.com/office/drawing/2014/main" id="{92A59BD3-5AFC-B789-1870-D008003AAEB4}"/>
+              </a:ext>
+            </a:extLst>
+          </p:cNvPr>
           <p:cNvSpPr>
             <a:spLocks noGrp="1"/>
           </p:cNvSpPr>
@@ -20404,12 +20558,18 @@
           <a:lstStyle/>
           <a:p>
             <a:r>
-              <a:t>Demo: AI BOT for GenZ</a:t>
+              <a:rPr lang="it-IT" dirty="0"/>
+              <a:t>Reference</a:t>
             </a:r>
           </a:p>
         </p:txBody>
       </p:sp>
     </p:spTree>
+    <p:extLst>
+      <p:ext uri="{BB962C8B-B14F-4D97-AF65-F5344CB8AC3E}">
+        <p14:creationId xmlns:p14="http://schemas.microsoft.com/office/powerpoint/2010/main" val="2378877390"/>
+      </p:ext>
+    </p:extLst>
   </p:cSld>
   <p:clrMapOvr>
     <a:masterClrMapping/>
@@ -20436,7 +20596,7 @@
       </p:grpSpPr>
       <p:sp>
         <p:nvSpPr>
-          <p:cNvPr id="2" name="Questions Section Title"/>
+          <p:cNvPr id="2" name="Demo Section Title"/>
           <p:cNvSpPr>
             <a:spLocks noGrp="1"/>
           </p:cNvSpPr>
@@ -20452,7 +20612,7 @@
           <a:lstStyle/>
           <a:p>
             <a:r>
-              <a:t>Questions &amp; Discussion</a:t>
+              <a:t>Demo: AI BOT for GenZ</a:t>
             </a:r>
           </a:p>
         </p:txBody>
@@ -20466,6 +20626,54 @@
 </file>
 
 <file path=ppt/slides/slide13.xml><?xml version="1.0" encoding="utf-8"?>
+<p:sld xmlns:a="http://schemas.openxmlformats.org/drawingml/2006/main" xmlns:r="http://schemas.openxmlformats.org/officeDocument/2006/relationships" xmlns:p="http://schemas.openxmlformats.org/presentationml/2006/main">
+  <p:cSld>
+    <p:spTree>
+      <p:nvGrpSpPr>
+        <p:cNvPr id="1" name=""/>
+        <p:cNvGrpSpPr/>
+        <p:nvPr/>
+      </p:nvGrpSpPr>
+      <p:grpSpPr>
+        <a:xfrm>
+          <a:off x="0" y="0"/>
+          <a:ext cx="0" cy="0"/>
+          <a:chOff x="0" y="0"/>
+          <a:chExt cx="0" cy="0"/>
+        </a:xfrm>
+      </p:grpSpPr>
+      <p:sp>
+        <p:nvSpPr>
+          <p:cNvPr id="2" name="Questions Section Title"/>
+          <p:cNvSpPr>
+            <a:spLocks noGrp="1"/>
+          </p:cNvSpPr>
+          <p:nvPr>
+            <p:ph type="title"/>
+          </p:nvPr>
+        </p:nvSpPr>
+        <p:spPr/>
+        <p:txBody>
+          <a:bodyPr>
+            <a:normAutofit fontScale="90000"/>
+          </a:bodyPr>
+          <a:lstStyle/>
+          <a:p>
+            <a:r>
+              <a:t>Questions &amp; Discussion</a:t>
+            </a:r>
+          </a:p>
+        </p:txBody>
+      </p:sp>
+    </p:spTree>
+  </p:cSld>
+  <p:clrMapOvr>
+    <a:masterClrMapping/>
+  </p:clrMapOvr>
+</p:sld>
+</file>
+
+<file path=ppt/slides/slide14.xml><?xml version="1.0" encoding="utf-8"?>
 <p:sld xmlns:a="http://schemas.openxmlformats.org/drawingml/2006/main" xmlns:r="http://schemas.openxmlformats.org/officeDocument/2006/relationships" xmlns:p="http://schemas.openxmlformats.org/presentationml/2006/main">
   <p:cSld>
     <p:spTree>
@@ -23517,6 +23725,15 @@
 </file>
 
 <file path=customXml/item1.xml><?xml version="1.0" encoding="utf-8"?>
+<?mso-contentType ?>
+<FormTemplates xmlns="http://schemas.microsoft.com/sharepoint/v3/contenttype/forms">
+  <Display>DocumentLibraryForm</Display>
+  <Edit>DocumentLibraryForm</Edit>
+  <New>DocumentLibraryForm</New>
+</FormTemplates>
+</file>
+
+<file path=customXml/item2.xml><?xml version="1.0" encoding="utf-8"?>
 <ct:contentTypeSchema xmlns:ct="http://schemas.microsoft.com/office/2006/metadata/contentType" xmlns:ma="http://schemas.microsoft.com/office/2006/metadata/properties/metaAttributes" ct:_="" ma:_="" ma:contentTypeName="Documento" ma:contentTypeID="0x010100FD6131E5EFD16140B6B7F4892B3B1EDF" ma:contentTypeVersion="12" ma:contentTypeDescription="Creare un nuovo documento." ma:contentTypeScope="" ma:versionID="63b5c12633394d46a5e8b3cee073cbf0">
   <xsd:schema xmlns:xsd="http://www.w3.org/2001/XMLSchema" xmlns:xs="http://www.w3.org/2001/XMLSchema" xmlns:p="http://schemas.microsoft.com/office/2006/metadata/properties" xmlns:ns2="d8121912-130d-4688-8a96-8cf2c237709c" xmlns:ns3="cef5da91-0831-42fa-860c-d84acea2b669" targetNamespace="http://schemas.microsoft.com/office/2006/metadata/properties" ma:root="true" ma:fieldsID="965fc1106bbd4197a92925fc0676d25d" ns2:_="" ns3:_="">
     <xsd:import namespace="d8121912-130d-4688-8a96-8cf2c237709c"/>
@@ -23717,16 +23934,15 @@
 </ct:contentTypeSchema>
 </file>
 
-<file path=customXml/item2.xml><?xml version="1.0" encoding="utf-8"?>
-<?mso-contentType ?>
-<FormTemplates xmlns="http://schemas.microsoft.com/sharepoint/v3/contenttype/forms">
-  <Display>DocumentLibraryForm</Display>
-  <Edit>DocumentLibraryForm</Edit>
-  <New>DocumentLibraryForm</New>
-</FormTemplates>
+<file path=customXml/itemProps1.xml><?xml version="1.0" encoding="utf-8"?>
+<ds:datastoreItem xmlns:ds="http://schemas.openxmlformats.org/officeDocument/2006/customXml" ds:itemID="{5F878534-5D58-47CF-96A0-6CC00164F916}">
+  <ds:schemaRefs>
+    <ds:schemaRef ds:uri="http://schemas.microsoft.com/sharepoint/v3/contenttype/forms"/>
+  </ds:schemaRefs>
+</ds:datastoreItem>
 </file>
 
-<file path=customXml/itemProps1.xml><?xml version="1.0" encoding="utf-8"?>
+<file path=customXml/itemProps2.xml><?xml version="1.0" encoding="utf-8"?>
 <ds:datastoreItem xmlns:ds="http://schemas.openxmlformats.org/officeDocument/2006/customXml" ds:itemID="{AF8E5EFD-CAD4-4277-A6A9-F2D818E316A7}">
   <ds:schemaRefs>
     <ds:schemaRef ds:uri="http://schemas.microsoft.com/office/2006/metadata/contentType"/>
@@ -23745,14 +23961,6 @@
 </ds:datastoreItem>
 </file>
 
-<file path=customXml/itemProps2.xml><?xml version="1.0" encoding="utf-8"?>
-<ds:datastoreItem xmlns:ds="http://schemas.openxmlformats.org/officeDocument/2006/customXml" ds:itemID="{5F878534-5D58-47CF-96A0-6CC00164F916}">
-  <ds:schemaRefs>
-    <ds:schemaRef ds:uri="http://schemas.microsoft.com/sharepoint/v3/contenttype/forms"/>
-  </ds:schemaRefs>
-</ds:datastoreItem>
-</file>
-
 <file path=docMetadata/LabelInfo.xml><?xml version="1.0" encoding="utf-8"?>
 <clbl:labelList xmlns:clbl="http://schemas.microsoft.com/office/2020/mipLabelMetadata">
   <clbl:label id="{5fae8262-b78e-4366-8929-a5d6aac95320}" enabled="1" method="Standard" siteId="{cf36141c-ddd7-45a7-b073-111f66d0b30c}" contentBits="0" removed="0"/>
